--- a/MVVM.pptx
+++ b/MVVM.pptx
@@ -106,6 +106,11 @@
       </a:defRPr>
     </a:lvl9pPr>
   </p:defaultTextStyle>
+  <p:extLst>
+    <p:ext uri="{EFAFB233-063F-42B5-8137-9DF3F51BA10A}">
+      <p15:sldGuideLst xmlns:p15="http://schemas.microsoft.com/office/powerpoint/2012/main"/>
+    </p:ext>
+  </p:extLst>
 </p:presentation>
 </file>
 
@@ -240,7 +245,7 @@
           <a:p>
             <a:fld id="{2AA72A32-B789-408C-AAE2-CE8453C0E6F7}" type="datetimeFigureOut">
               <a:rPr lang="de-CH" smtClean="0"/>
-              <a:t>17.01.2019</a:t>
+              <a:t>20.01.2019</a:t>
             </a:fld>
             <a:endParaRPr lang="de-CH"/>
           </a:p>
@@ -282,7 +287,7 @@
           <a:p>
             <a:fld id="{056411DC-A5B4-4AC2-869E-14ABE991EA30}" type="slidenum">
               <a:rPr lang="de-CH" smtClean="0"/>
-              <a:t>‹#›</a:t>
+              <a:t>‹Nr.›</a:t>
             </a:fld>
             <a:endParaRPr lang="de-CH"/>
           </a:p>
@@ -410,7 +415,7 @@
           <a:p>
             <a:fld id="{2AA72A32-B789-408C-AAE2-CE8453C0E6F7}" type="datetimeFigureOut">
               <a:rPr lang="de-CH" smtClean="0"/>
-              <a:t>17.01.2019</a:t>
+              <a:t>20.01.2019</a:t>
             </a:fld>
             <a:endParaRPr lang="de-CH"/>
           </a:p>
@@ -452,7 +457,7 @@
           <a:p>
             <a:fld id="{056411DC-A5B4-4AC2-869E-14ABE991EA30}" type="slidenum">
               <a:rPr lang="de-CH" smtClean="0"/>
-              <a:t>‹#›</a:t>
+              <a:t>‹Nr.›</a:t>
             </a:fld>
             <a:endParaRPr lang="de-CH"/>
           </a:p>
@@ -590,7 +595,7 @@
           <a:p>
             <a:fld id="{2AA72A32-B789-408C-AAE2-CE8453C0E6F7}" type="datetimeFigureOut">
               <a:rPr lang="de-CH" smtClean="0"/>
-              <a:t>17.01.2019</a:t>
+              <a:t>20.01.2019</a:t>
             </a:fld>
             <a:endParaRPr lang="de-CH"/>
           </a:p>
@@ -632,7 +637,7 @@
           <a:p>
             <a:fld id="{056411DC-A5B4-4AC2-869E-14ABE991EA30}" type="slidenum">
               <a:rPr lang="de-CH" smtClean="0"/>
-              <a:t>‹#›</a:t>
+              <a:t>‹Nr.›</a:t>
             </a:fld>
             <a:endParaRPr lang="de-CH"/>
           </a:p>
@@ -760,7 +765,7 @@
           <a:p>
             <a:fld id="{2AA72A32-B789-408C-AAE2-CE8453C0E6F7}" type="datetimeFigureOut">
               <a:rPr lang="de-CH" smtClean="0"/>
-              <a:t>17.01.2019</a:t>
+              <a:t>20.01.2019</a:t>
             </a:fld>
             <a:endParaRPr lang="de-CH"/>
           </a:p>
@@ -802,7 +807,7 @@
           <a:p>
             <a:fld id="{056411DC-A5B4-4AC2-869E-14ABE991EA30}" type="slidenum">
               <a:rPr lang="de-CH" smtClean="0"/>
-              <a:t>‹#›</a:t>
+              <a:t>‹Nr.›</a:t>
             </a:fld>
             <a:endParaRPr lang="de-CH"/>
           </a:p>
@@ -1006,7 +1011,7 @@
           <a:p>
             <a:fld id="{2AA72A32-B789-408C-AAE2-CE8453C0E6F7}" type="datetimeFigureOut">
               <a:rPr lang="de-CH" smtClean="0"/>
-              <a:t>17.01.2019</a:t>
+              <a:t>20.01.2019</a:t>
             </a:fld>
             <a:endParaRPr lang="de-CH"/>
           </a:p>
@@ -1048,7 +1053,7 @@
           <a:p>
             <a:fld id="{056411DC-A5B4-4AC2-869E-14ABE991EA30}" type="slidenum">
               <a:rPr lang="de-CH" smtClean="0"/>
-              <a:t>‹#›</a:t>
+              <a:t>‹Nr.›</a:t>
             </a:fld>
             <a:endParaRPr lang="de-CH"/>
           </a:p>
@@ -1238,7 +1243,7 @@
           <a:p>
             <a:fld id="{2AA72A32-B789-408C-AAE2-CE8453C0E6F7}" type="datetimeFigureOut">
               <a:rPr lang="de-CH" smtClean="0"/>
-              <a:t>17.01.2019</a:t>
+              <a:t>20.01.2019</a:t>
             </a:fld>
             <a:endParaRPr lang="de-CH"/>
           </a:p>
@@ -1280,7 +1285,7 @@
           <a:p>
             <a:fld id="{056411DC-A5B4-4AC2-869E-14ABE991EA30}" type="slidenum">
               <a:rPr lang="de-CH" smtClean="0"/>
-              <a:t>‹#›</a:t>
+              <a:t>‹Nr.›</a:t>
             </a:fld>
             <a:endParaRPr lang="de-CH"/>
           </a:p>
@@ -1605,7 +1610,7 @@
           <a:p>
             <a:fld id="{2AA72A32-B789-408C-AAE2-CE8453C0E6F7}" type="datetimeFigureOut">
               <a:rPr lang="de-CH" smtClean="0"/>
-              <a:t>17.01.2019</a:t>
+              <a:t>20.01.2019</a:t>
             </a:fld>
             <a:endParaRPr lang="de-CH"/>
           </a:p>
@@ -1647,7 +1652,7 @@
           <a:p>
             <a:fld id="{056411DC-A5B4-4AC2-869E-14ABE991EA30}" type="slidenum">
               <a:rPr lang="de-CH" smtClean="0"/>
-              <a:t>‹#›</a:t>
+              <a:t>‹Nr.›</a:t>
             </a:fld>
             <a:endParaRPr lang="de-CH"/>
           </a:p>
@@ -1723,7 +1728,7 @@
           <a:p>
             <a:fld id="{2AA72A32-B789-408C-AAE2-CE8453C0E6F7}" type="datetimeFigureOut">
               <a:rPr lang="de-CH" smtClean="0"/>
-              <a:t>17.01.2019</a:t>
+              <a:t>20.01.2019</a:t>
             </a:fld>
             <a:endParaRPr lang="de-CH"/>
           </a:p>
@@ -1765,7 +1770,7 @@
           <a:p>
             <a:fld id="{056411DC-A5B4-4AC2-869E-14ABE991EA30}" type="slidenum">
               <a:rPr lang="de-CH" smtClean="0"/>
-              <a:t>‹#›</a:t>
+              <a:t>‹Nr.›</a:t>
             </a:fld>
             <a:endParaRPr lang="de-CH"/>
           </a:p>
@@ -1818,7 +1823,7 @@
           <a:p>
             <a:fld id="{2AA72A32-B789-408C-AAE2-CE8453C0E6F7}" type="datetimeFigureOut">
               <a:rPr lang="de-CH" smtClean="0"/>
-              <a:t>17.01.2019</a:t>
+              <a:t>20.01.2019</a:t>
             </a:fld>
             <a:endParaRPr lang="de-CH"/>
           </a:p>
@@ -1860,7 +1865,7 @@
           <a:p>
             <a:fld id="{056411DC-A5B4-4AC2-869E-14ABE991EA30}" type="slidenum">
               <a:rPr lang="de-CH" smtClean="0"/>
-              <a:t>‹#›</a:t>
+              <a:t>‹Nr.›</a:t>
             </a:fld>
             <a:endParaRPr lang="de-CH"/>
           </a:p>
@@ -2095,7 +2100,7 @@
           <a:p>
             <a:fld id="{2AA72A32-B789-408C-AAE2-CE8453C0E6F7}" type="datetimeFigureOut">
               <a:rPr lang="de-CH" smtClean="0"/>
-              <a:t>17.01.2019</a:t>
+              <a:t>20.01.2019</a:t>
             </a:fld>
             <a:endParaRPr lang="de-CH"/>
           </a:p>
@@ -2137,7 +2142,7 @@
           <a:p>
             <a:fld id="{056411DC-A5B4-4AC2-869E-14ABE991EA30}" type="slidenum">
               <a:rPr lang="de-CH" smtClean="0"/>
-              <a:t>‹#›</a:t>
+              <a:t>‹Nr.›</a:t>
             </a:fld>
             <a:endParaRPr lang="de-CH"/>
           </a:p>
@@ -2348,7 +2353,7 @@
           <a:p>
             <a:fld id="{2AA72A32-B789-408C-AAE2-CE8453C0E6F7}" type="datetimeFigureOut">
               <a:rPr lang="de-CH" smtClean="0"/>
-              <a:t>17.01.2019</a:t>
+              <a:t>20.01.2019</a:t>
             </a:fld>
             <a:endParaRPr lang="de-CH"/>
           </a:p>
@@ -2390,7 +2395,7 @@
           <a:p>
             <a:fld id="{056411DC-A5B4-4AC2-869E-14ABE991EA30}" type="slidenum">
               <a:rPr lang="de-CH" smtClean="0"/>
-              <a:t>‹#›</a:t>
+              <a:t>‹Nr.›</a:t>
             </a:fld>
             <a:endParaRPr lang="de-CH"/>
           </a:p>
@@ -2561,7 +2566,7 @@
           <a:p>
             <a:fld id="{2AA72A32-B789-408C-AAE2-CE8453C0E6F7}" type="datetimeFigureOut">
               <a:rPr lang="de-CH" smtClean="0"/>
-              <a:t>17.01.2019</a:t>
+              <a:t>20.01.2019</a:t>
             </a:fld>
             <a:endParaRPr lang="de-CH"/>
           </a:p>
@@ -2639,7 +2644,7 @@
           <a:p>
             <a:fld id="{056411DC-A5B4-4AC2-869E-14ABE991EA30}" type="slidenum">
               <a:rPr lang="de-CH" smtClean="0"/>
-              <a:t>‹#›</a:t>
+              <a:t>‹Nr.›</a:t>
             </a:fld>
             <a:endParaRPr lang="de-CH"/>
           </a:p>
@@ -4297,6 +4302,75 @@
       </p:grpSpPr>
       <p:sp>
         <p:nvSpPr>
+          <p:cNvPr id="23" name="Rechteck 22">
+            <a:extLst>
+              <a:ext uri="{FF2B5EF4-FFF2-40B4-BE49-F238E27FC236}">
+                <a16:creationId xmlns:a16="http://schemas.microsoft.com/office/drawing/2014/main" id="{062A20BB-159D-4AF0-91C7-17802D10B1A4}"/>
+              </a:ext>
+            </a:extLst>
+          </p:cNvPr>
+          <p:cNvSpPr/>
+          <p:nvPr/>
+        </p:nvSpPr>
+        <p:spPr>
+          <a:xfrm>
+            <a:off x="3737809" y="3756732"/>
+            <a:ext cx="2358190" cy="559367"/>
+          </a:xfrm>
+          <a:prstGeom prst="rect">
+            <a:avLst/>
+          </a:prstGeom>
+        </p:spPr>
+        <p:style>
+          <a:lnRef idx="2">
+            <a:schemeClr val="accent1">
+              <a:shade val="50000"/>
+            </a:schemeClr>
+          </a:lnRef>
+          <a:fillRef idx="1">
+            <a:schemeClr val="accent1"/>
+          </a:fillRef>
+          <a:effectRef idx="0">
+            <a:schemeClr val="accent1"/>
+          </a:effectRef>
+          <a:fontRef idx="minor">
+            <a:schemeClr val="lt1"/>
+          </a:fontRef>
+        </p:style>
+        <p:txBody>
+          <a:bodyPr rtlCol="0" anchor="ctr"/>
+          <a:lstStyle/>
+          <a:p>
+            <a:pPr algn="ctr"/>
+            <a:r>
+              <a:rPr lang="de-DE" dirty="0" err="1"/>
+              <a:t>Logic</a:t>
+            </a:r>
+            <a:r>
+              <a:rPr lang="de-DE" dirty="0"/>
+              <a:t> (</a:t>
+            </a:r>
+            <a:r>
+              <a:rPr lang="de-DE" dirty="0" err="1"/>
+              <a:t>calculations</a:t>
+            </a:r>
+            <a:r>
+              <a:rPr lang="de-DE" dirty="0"/>
+              <a:t> and </a:t>
+            </a:r>
+            <a:r>
+              <a:rPr lang="de-DE" dirty="0" err="1"/>
+              <a:t>stuff</a:t>
+            </a:r>
+            <a:r>
+              <a:rPr lang="de-DE" dirty="0"/>
+              <a:t>)</a:t>
+            </a:r>
+          </a:p>
+        </p:txBody>
+      </p:sp>
+      <p:sp>
+        <p:nvSpPr>
           <p:cNvPr id="2" name="Title 1"/>
           <p:cNvSpPr>
             <a:spLocks noGrp="1"/>
@@ -4325,8 +4399,8 @@
         </p:nvSpPr>
         <p:spPr>
           <a:xfrm>
-            <a:off x="3737811" y="1371601"/>
-            <a:ext cx="7499683" cy="607664"/>
+            <a:off x="3737811" y="1371600"/>
+            <a:ext cx="7499683" cy="743061"/>
           </a:xfrm>
           <a:prstGeom prst="rect">
             <a:avLst/>
@@ -4368,8 +4442,8 @@
         </p:nvSpPr>
         <p:spPr>
           <a:xfrm>
-            <a:off x="3737811" y="2154910"/>
-            <a:ext cx="7499683" cy="621253"/>
+            <a:off x="3737810" y="2644450"/>
+            <a:ext cx="7499683" cy="919273"/>
           </a:xfrm>
           <a:prstGeom prst="rect">
             <a:avLst/>
@@ -4395,10 +4469,70 @@
           <a:bodyPr rtlCol="0" anchor="ctr"/>
           <a:lstStyle/>
           <a:p>
-            <a:pPr algn="ctr"/>
-            <a:r>
-              <a:rPr lang="de-CH" dirty="0"/>
+            <a:r>
+              <a:rPr lang="de-CH" dirty="0" err="1"/>
               <a:t>ViewModel</a:t>
+            </a:r>
+            <a:endParaRPr lang="de-CH" dirty="0"/>
+          </a:p>
+          <a:p>
+            <a:r>
+              <a:rPr lang="de-CH" sz="1400" dirty="0"/>
+              <a:t>-</a:t>
+            </a:r>
+            <a:r>
+              <a:rPr lang="de-CH" sz="1400" dirty="0" err="1"/>
+              <a:t>Fetches</a:t>
+            </a:r>
+            <a:r>
+              <a:rPr lang="de-CH" sz="1400" dirty="0"/>
+              <a:t> Data</a:t>
+            </a:r>
+          </a:p>
+          <a:p>
+            <a:r>
+              <a:rPr lang="de-CH" sz="1400" dirty="0"/>
+              <a:t>- </a:t>
+            </a:r>
+            <a:r>
+              <a:rPr lang="de-CH" sz="1400" dirty="0" err="1"/>
+              <a:t>Prepares</a:t>
+            </a:r>
+            <a:r>
+              <a:rPr lang="de-CH" sz="1400" dirty="0"/>
+              <a:t> </a:t>
+            </a:r>
+            <a:r>
+              <a:rPr lang="de-CH" sz="1400" dirty="0" err="1"/>
+              <a:t>the</a:t>
+            </a:r>
+            <a:r>
+              <a:rPr lang="de-CH" sz="1400" dirty="0"/>
+              <a:t> </a:t>
+            </a:r>
+            <a:r>
+              <a:rPr lang="de-CH" sz="1400" dirty="0" err="1"/>
+              <a:t>data</a:t>
+            </a:r>
+            <a:r>
+              <a:rPr lang="de-CH" sz="1400" dirty="0"/>
+              <a:t> </a:t>
+            </a:r>
+            <a:r>
+              <a:rPr lang="de-CH" sz="1400" dirty="0" err="1"/>
+              <a:t>for</a:t>
+            </a:r>
+            <a:r>
+              <a:rPr lang="de-CH" sz="1400" dirty="0"/>
+              <a:t> </a:t>
+            </a:r>
+            <a:r>
+              <a:rPr lang="de-CH" sz="1400" dirty="0" err="1"/>
+              <a:t>the</a:t>
+            </a:r>
+            <a:r>
+              <a:rPr lang="de-CH" sz="1400" dirty="0"/>
+              <a:t> View</a:t>
             </a:r>
           </a:p>
         </p:txBody>
@@ -4411,8 +4545,8 @@
         </p:nvSpPr>
         <p:spPr>
           <a:xfrm>
-            <a:off x="3737811" y="3795713"/>
-            <a:ext cx="7499683" cy="1185362"/>
+            <a:off x="6165888" y="3756732"/>
+            <a:ext cx="5071606" cy="993343"/>
           </a:xfrm>
           <a:prstGeom prst="rect">
             <a:avLst/>
@@ -4438,11 +4572,45 @@
           <a:bodyPr rtlCol="0" anchor="t"/>
           <a:lstStyle/>
           <a:p>
-            <a:pPr algn="ctr"/>
             <a:r>
               <a:rPr lang="de-CH" dirty="0"/>
-              <a:t>Model</a:t>
-            </a:r>
+              <a:t>Model (Domain </a:t>
+            </a:r>
+            <a:r>
+              <a:rPr lang="de-CH" dirty="0" err="1"/>
+              <a:t>Object</a:t>
+            </a:r>
+            <a:r>
+              <a:rPr lang="de-CH" dirty="0"/>
+              <a:t>)</a:t>
+            </a:r>
+          </a:p>
+          <a:p>
+            <a:r>
+              <a:rPr lang="de-CH" sz="1400" dirty="0"/>
+              <a:t>- </a:t>
+            </a:r>
+            <a:r>
+              <a:rPr lang="de-CH" sz="1400" dirty="0" err="1"/>
+              <a:t>Might</a:t>
+            </a:r>
+            <a:r>
+              <a:rPr lang="de-CH" sz="1400" dirty="0"/>
+              <a:t> </a:t>
+            </a:r>
+            <a:r>
+              <a:rPr lang="de-CH" sz="1400" dirty="0" err="1"/>
+              <a:t>contain</a:t>
+            </a:r>
+            <a:r>
+              <a:rPr lang="de-CH" sz="1400" dirty="0"/>
+              <a:t> </a:t>
+            </a:r>
+            <a:r>
+              <a:rPr lang="de-CH" sz="1400" dirty="0" err="1"/>
+              <a:t>validation</a:t>
+            </a:r>
+            <a:endParaRPr lang="de-CH" sz="1400" dirty="0"/>
           </a:p>
         </p:txBody>
       </p:sp>
@@ -4454,7 +4622,7 @@
         </p:nvCxnSpPr>
         <p:spPr>
           <a:xfrm flipH="1">
-            <a:off x="625642" y="3689684"/>
+            <a:off x="681789" y="3236679"/>
             <a:ext cx="10828421" cy="0"/>
           </a:xfrm>
           <a:prstGeom prst="line">
@@ -4490,8 +4658,8 @@
         </p:nvSpPr>
         <p:spPr>
           <a:xfrm>
-            <a:off x="994611" y="1981200"/>
-            <a:ext cx="943785" cy="369332"/>
+            <a:off x="994611" y="1947178"/>
+            <a:ext cx="4037965" cy="646331"/>
           </a:xfrm>
           <a:prstGeom prst="rect">
             <a:avLst/>
@@ -4506,7 +4674,41 @@
           <a:p>
             <a:r>
               <a:rPr lang="de-CH" dirty="0"/>
-              <a:t>UI Layer</a:t>
+              <a:t>UI Layer /</a:t>
+            </a:r>
+          </a:p>
+          <a:p>
+            <a:r>
+              <a:rPr lang="de-CH" dirty="0" err="1"/>
+              <a:t>Application</a:t>
+            </a:r>
+            <a:r>
+              <a:rPr lang="de-CH" dirty="0"/>
+              <a:t> Layer (</a:t>
+            </a:r>
+            <a:r>
+              <a:rPr lang="de-CH" dirty="0" err="1"/>
+              <a:t>platform</a:t>
+            </a:r>
+            <a:r>
+              <a:rPr lang="de-CH" dirty="0"/>
+              <a:t> </a:t>
+            </a:r>
+            <a:r>
+              <a:rPr lang="de-CH" dirty="0" err="1"/>
+              <a:t>specific</a:t>
+            </a:r>
+            <a:r>
+              <a:rPr lang="de-CH" dirty="0"/>
+              <a:t> </a:t>
+            </a:r>
+            <a:r>
+              <a:rPr lang="de-CH" dirty="0" err="1"/>
+              <a:t>stuff</a:t>
+            </a:r>
+            <a:r>
+              <a:rPr lang="de-CH" dirty="0"/>
+              <a:t>)</a:t>
             </a:r>
           </a:p>
         </p:txBody>
@@ -4591,7 +4793,7 @@
         </p:nvCxnSpPr>
         <p:spPr>
           <a:xfrm flipH="1">
-            <a:off x="625642" y="4380191"/>
+            <a:off x="625642" y="4447303"/>
             <a:ext cx="10828421" cy="0"/>
           </a:xfrm>
           <a:prstGeom prst="line">
@@ -4656,8 +4858,8 @@
         </p:nvSpPr>
         <p:spPr>
           <a:xfrm>
-            <a:off x="4664241" y="4431133"/>
-            <a:ext cx="5646822" cy="549942"/>
+            <a:off x="6165887" y="4750076"/>
+            <a:ext cx="5071605" cy="252985"/>
           </a:xfrm>
           <a:prstGeom prst="rect">
             <a:avLst/>
@@ -4752,6 +4954,186 @@
             <a:r>
               <a:rPr lang="de-CH" dirty="0"/>
               <a:t>Data Access Layer</a:t>
+            </a:r>
+          </a:p>
+        </p:txBody>
+      </p:sp>
+      <p:cxnSp>
+        <p:nvCxnSpPr>
+          <p:cNvPr id="12" name="Gerade Verbindung mit Pfeil 11">
+            <a:extLst>
+              <a:ext uri="{FF2B5EF4-FFF2-40B4-BE49-F238E27FC236}">
+                <a16:creationId xmlns:a16="http://schemas.microsoft.com/office/drawing/2014/main" id="{16B63BB6-C183-4A8F-8435-8871E40CDFF0}"/>
+              </a:ext>
+            </a:extLst>
+          </p:cNvPr>
+          <p:cNvCxnSpPr>
+            <a:cxnSpLocks/>
+          </p:cNvCxnSpPr>
+          <p:nvPr/>
+        </p:nvCxnSpPr>
+        <p:spPr>
+          <a:xfrm>
+            <a:off x="9296400" y="3563723"/>
+            <a:ext cx="0" cy="1186353"/>
+          </a:xfrm>
+          <a:prstGeom prst="straightConnector1">
+            <a:avLst/>
+          </a:prstGeom>
+          <a:ln w="28575">
+            <a:tailEnd type="triangle"/>
+          </a:ln>
+        </p:spPr>
+        <p:style>
+          <a:lnRef idx="1">
+            <a:schemeClr val="dk1"/>
+          </a:lnRef>
+          <a:fillRef idx="0">
+            <a:schemeClr val="dk1"/>
+          </a:fillRef>
+          <a:effectRef idx="0">
+            <a:schemeClr val="dk1"/>
+          </a:effectRef>
+          <a:fontRef idx="minor">
+            <a:schemeClr val="tx1"/>
+          </a:fontRef>
+        </p:style>
+      </p:cxnSp>
+      <p:sp>
+        <p:nvSpPr>
+          <p:cNvPr id="18" name="Textfeld 17">
+            <a:extLst>
+              <a:ext uri="{FF2B5EF4-FFF2-40B4-BE49-F238E27FC236}">
+                <a16:creationId xmlns:a16="http://schemas.microsoft.com/office/drawing/2014/main" id="{AE28B4E9-84E6-4218-BE53-7177CE530021}"/>
+              </a:ext>
+            </a:extLst>
+          </p:cNvPr>
+          <p:cNvSpPr txBox="1"/>
+          <p:nvPr/>
+        </p:nvSpPr>
+        <p:spPr>
+          <a:xfrm>
+            <a:off x="9404647" y="3844020"/>
+            <a:ext cx="783991" cy="369332"/>
+          </a:xfrm>
+          <a:prstGeom prst="rect">
+            <a:avLst/>
+          </a:prstGeom>
+          <a:noFill/>
+        </p:spPr>
+        <p:txBody>
+          <a:bodyPr wrap="square" rtlCol="0">
+            <a:spAutoFit/>
+          </a:bodyPr>
+          <a:lstStyle/>
+          <a:p>
+            <a:r>
+              <a:rPr lang="de-DE" dirty="0" err="1"/>
+              <a:t>uses</a:t>
+            </a:r>
+            <a:endParaRPr lang="de-DE" dirty="0"/>
+          </a:p>
+        </p:txBody>
+      </p:sp>
+      <p:cxnSp>
+        <p:nvCxnSpPr>
+          <p:cNvPr id="25" name="Gerade Verbindung mit Pfeil 24">
+            <a:extLst>
+              <a:ext uri="{FF2B5EF4-FFF2-40B4-BE49-F238E27FC236}">
+                <a16:creationId xmlns:a16="http://schemas.microsoft.com/office/drawing/2014/main" id="{99E08B14-1B44-4A1E-B68B-645EF5DD5D7C}"/>
+              </a:ext>
+            </a:extLst>
+          </p:cNvPr>
+          <p:cNvCxnSpPr>
+            <a:stCxn id="13" idx="1"/>
+          </p:cNvCxnSpPr>
+          <p:nvPr/>
+        </p:nvCxnSpPr>
+        <p:spPr>
+          <a:xfrm flipV="1">
+            <a:off x="7487652" y="5003061"/>
+            <a:ext cx="3717" cy="395106"/>
+          </a:xfrm>
+          <a:prstGeom prst="straightConnector1">
+            <a:avLst/>
+          </a:prstGeom>
+          <a:ln w="19050">
+            <a:headEnd type="triangle"/>
+            <a:tailEnd type="triangle"/>
+          </a:ln>
+        </p:spPr>
+        <p:style>
+          <a:lnRef idx="1">
+            <a:schemeClr val="accent3"/>
+          </a:lnRef>
+          <a:fillRef idx="0">
+            <a:schemeClr val="accent3"/>
+          </a:fillRef>
+          <a:effectRef idx="0">
+            <a:schemeClr val="accent3"/>
+          </a:effectRef>
+          <a:fontRef idx="minor">
+            <a:schemeClr val="tx1"/>
+          </a:fontRef>
+        </p:style>
+      </p:cxnSp>
+      <p:sp>
+        <p:nvSpPr>
+          <p:cNvPr id="26" name="Textfeld 25">
+            <a:extLst>
+              <a:ext uri="{FF2B5EF4-FFF2-40B4-BE49-F238E27FC236}">
+                <a16:creationId xmlns:a16="http://schemas.microsoft.com/office/drawing/2014/main" id="{440956BA-6A0A-4327-96E5-296620DEB863}"/>
+              </a:ext>
+            </a:extLst>
+          </p:cNvPr>
+          <p:cNvSpPr txBox="1"/>
+          <p:nvPr/>
+        </p:nvSpPr>
+        <p:spPr>
+          <a:xfrm>
+            <a:off x="8744709" y="6197660"/>
+            <a:ext cx="2765501" cy="430887"/>
+          </a:xfrm>
+          <a:prstGeom prst="rect">
+            <a:avLst/>
+          </a:prstGeom>
+          <a:noFill/>
+        </p:spPr>
+        <p:txBody>
+          <a:bodyPr wrap="none" rtlCol="0">
+            <a:spAutoFit/>
+          </a:bodyPr>
+          <a:lstStyle/>
+          <a:p>
+            <a:r>
+              <a:rPr lang="de-DE" sz="1100" dirty="0" err="1"/>
+              <a:t>For</a:t>
+            </a:r>
+            <a:r>
+              <a:rPr lang="de-DE" sz="1100" dirty="0"/>
+              <a:t> </a:t>
+            </a:r>
+            <a:r>
+              <a:rPr lang="de-DE" sz="1100" dirty="0" err="1"/>
+              <a:t>more</a:t>
+            </a:r>
+            <a:r>
+              <a:rPr lang="de-DE" sz="1100" dirty="0"/>
+              <a:t> </a:t>
+            </a:r>
+            <a:r>
+              <a:rPr lang="de-DE" sz="1100" dirty="0" err="1"/>
+              <a:t>info</a:t>
+            </a:r>
+            <a:r>
+              <a:rPr lang="de-DE" sz="1100" dirty="0"/>
+              <a:t>:</a:t>
+            </a:r>
+          </a:p>
+          <a:p>
+            <a:r>
+              <a:rPr lang="de-DE" sz="1100" dirty="0"/>
+              <a:t>http://kkatai.wikidot.com/the-mvvm-pattern</a:t>
             </a:r>
           </a:p>
         </p:txBody>
